--- a/bed-con-2025/img/api-ai-evolution.pptx
+++ b/bed-con-2025/img/api-ai-evolution.pptx
@@ -3371,7 +3371,7 @@
         </p:nvSpPr>
         <p:spPr>
           <a:xfrm>
-            <a:off x="1859077" y="3936839"/>
+            <a:off x="3726170" y="3936839"/>
             <a:ext cx="3584934" cy="1713064"/>
           </a:xfrm>
           <a:prstGeom prst="rect">
@@ -3491,7 +3491,7 @@
         </p:nvSpPr>
         <p:spPr>
           <a:xfrm>
-            <a:off x="1945170" y="5027132"/>
+            <a:off x="3812263" y="5027132"/>
             <a:ext cx="3421807" cy="532210"/>
           </a:xfrm>
           <a:prstGeom prst="rect">
@@ -3540,7 +3540,7 @@
         </p:nvSpPr>
         <p:spPr>
           <a:xfrm>
-            <a:off x="1945169" y="4801353"/>
+            <a:off x="3812262" y="4801353"/>
             <a:ext cx="413912" cy="169170"/>
           </a:xfrm>
           <a:prstGeom prst="rect">
@@ -3589,7 +3589,7 @@
         </p:nvSpPr>
         <p:spPr>
           <a:xfrm>
-            <a:off x="2446485" y="4801353"/>
+            <a:off x="4313578" y="4801353"/>
             <a:ext cx="413912" cy="169170"/>
           </a:xfrm>
           <a:prstGeom prst="rect">
@@ -3638,7 +3638,7 @@
         </p:nvSpPr>
         <p:spPr>
           <a:xfrm>
-            <a:off x="2947801" y="4801353"/>
+            <a:off x="4814894" y="4801353"/>
             <a:ext cx="413912" cy="169170"/>
           </a:xfrm>
           <a:prstGeom prst="rect">
@@ -3687,7 +3687,7 @@
         </p:nvSpPr>
         <p:spPr>
           <a:xfrm>
-            <a:off x="3449117" y="4801353"/>
+            <a:off x="5316210" y="4801353"/>
             <a:ext cx="413912" cy="169170"/>
           </a:xfrm>
           <a:prstGeom prst="rect">
@@ -3736,7 +3736,7 @@
         </p:nvSpPr>
         <p:spPr>
           <a:xfrm>
-            <a:off x="3950433" y="4807015"/>
+            <a:off x="5817526" y="4807015"/>
             <a:ext cx="413912" cy="169170"/>
           </a:xfrm>
           <a:prstGeom prst="rect">
@@ -3785,7 +3785,7 @@
         </p:nvSpPr>
         <p:spPr>
           <a:xfrm>
-            <a:off x="4451749" y="4801353"/>
+            <a:off x="6318842" y="4801353"/>
             <a:ext cx="413912" cy="169170"/>
           </a:xfrm>
           <a:prstGeom prst="rect">
@@ -3834,7 +3834,7 @@
         </p:nvSpPr>
         <p:spPr>
           <a:xfrm>
-            <a:off x="4953065" y="4801353"/>
+            <a:off x="6820158" y="4801353"/>
             <a:ext cx="413912" cy="169170"/>
           </a:xfrm>
           <a:prstGeom prst="rect">
@@ -3883,7 +3883,7 @@
         </p:nvSpPr>
         <p:spPr>
           <a:xfrm>
-            <a:off x="1945171" y="2407288"/>
+            <a:off x="3812264" y="2407288"/>
             <a:ext cx="3421806" cy="532210"/>
           </a:xfrm>
           <a:prstGeom prst="rect">
@@ -3936,7 +3936,7 @@
         </p:nvCxnSpPr>
         <p:spPr>
           <a:xfrm flipH="1">
-            <a:off x="3651544" y="2939498"/>
+            <a:off x="5518637" y="2939498"/>
             <a:ext cx="4530" cy="997341"/>
           </a:xfrm>
           <a:prstGeom prst="straightConnector1">
@@ -3966,6 +3966,49 @@
           </a:fontRef>
         </p:style>
       </p:cxnSp>
+      <p:sp>
+        <p:nvSpPr>
+          <p:cNvPr id="4" name="TextBox 3">
+            <a:extLst>
+              <a:ext uri="{FF2B5EF4-FFF2-40B4-BE49-F238E27FC236}">
+                <a16:creationId xmlns:a16="http://schemas.microsoft.com/office/drawing/2014/main" id="{DE6B3B54-82F3-BB4C-EFA5-A86B083787F0}"/>
+              </a:ext>
+            </a:extLst>
+          </p:cNvPr>
+          <p:cNvSpPr txBox="1"/>
+          <p:nvPr/>
+        </p:nvSpPr>
+        <p:spPr>
+          <a:xfrm>
+            <a:off x="3791451" y="1573515"/>
+            <a:ext cx="3405524" cy="523220"/>
+          </a:xfrm>
+          <a:prstGeom prst="rect">
+            <a:avLst/>
+          </a:prstGeom>
+          <a:noFill/>
+        </p:spPr>
+        <p:txBody>
+          <a:bodyPr wrap="square" rtlCol="0">
+            <a:spAutoFit/>
+          </a:bodyPr>
+          <a:lstStyle/>
+          <a:p>
+            <a:pPr algn="ctr"/>
+            <a:r>
+              <a:rPr lang="en-GB" sz="1400" dirty="0">
+                <a:solidFill>
+                  <a:schemeClr val="accent6">
+                    <a:lumMod val="50000"/>
+                  </a:schemeClr>
+                </a:solidFill>
+                <a:latin typeface="Ford Antenna Medium" panose="02000505000000020004" pitchFamily="2" charset="0"/>
+              </a:rPr>
+              <a:t>Step #1: Better API Description and Documentation</a:t>
+            </a:r>
+          </a:p>
+        </p:txBody>
+      </p:sp>
     </p:spTree>
     <p:extLst>
       <p:ext uri="{BB962C8B-B14F-4D97-AF65-F5344CB8AC3E}">
@@ -4016,7 +4059,7 @@
         </p:nvSpPr>
         <p:spPr>
           <a:xfrm>
-            <a:off x="1859077" y="4426665"/>
+            <a:off x="3721640" y="4426665"/>
             <a:ext cx="3584934" cy="1223237"/>
           </a:xfrm>
           <a:prstGeom prst="rect">
@@ -4081,7 +4124,7 @@
         </p:nvSpPr>
         <p:spPr>
           <a:xfrm>
-            <a:off x="1945170" y="5027132"/>
+            <a:off x="3807733" y="5027132"/>
             <a:ext cx="3421807" cy="532210"/>
           </a:xfrm>
           <a:prstGeom prst="rect">
@@ -4130,7 +4173,7 @@
         </p:nvSpPr>
         <p:spPr>
           <a:xfrm>
-            <a:off x="1945169" y="4801353"/>
+            <a:off x="3807732" y="4801353"/>
             <a:ext cx="413912" cy="169170"/>
           </a:xfrm>
           <a:prstGeom prst="rect">
@@ -4179,7 +4222,7 @@
         </p:nvSpPr>
         <p:spPr>
           <a:xfrm>
-            <a:off x="2446485" y="4801353"/>
+            <a:off x="4309048" y="4801353"/>
             <a:ext cx="413912" cy="169170"/>
           </a:xfrm>
           <a:prstGeom prst="rect">
@@ -4228,7 +4271,7 @@
         </p:nvSpPr>
         <p:spPr>
           <a:xfrm>
-            <a:off x="2947801" y="4801353"/>
+            <a:off x="4810364" y="4801353"/>
             <a:ext cx="413912" cy="169170"/>
           </a:xfrm>
           <a:prstGeom prst="rect">
@@ -4277,7 +4320,7 @@
         </p:nvSpPr>
         <p:spPr>
           <a:xfrm>
-            <a:off x="3449117" y="4801353"/>
+            <a:off x="5311680" y="4801353"/>
             <a:ext cx="413912" cy="169170"/>
           </a:xfrm>
           <a:prstGeom prst="rect">
@@ -4326,7 +4369,7 @@
         </p:nvSpPr>
         <p:spPr>
           <a:xfrm>
-            <a:off x="3950433" y="4807015"/>
+            <a:off x="5812996" y="4807015"/>
             <a:ext cx="413912" cy="169170"/>
           </a:xfrm>
           <a:prstGeom prst="rect">
@@ -4375,7 +4418,7 @@
         </p:nvSpPr>
         <p:spPr>
           <a:xfrm>
-            <a:off x="4451749" y="4801353"/>
+            <a:off x="6314312" y="4801353"/>
             <a:ext cx="413912" cy="169170"/>
           </a:xfrm>
           <a:prstGeom prst="rect">
@@ -4424,7 +4467,7 @@
         </p:nvSpPr>
         <p:spPr>
           <a:xfrm>
-            <a:off x="4953065" y="4801353"/>
+            <a:off x="6815628" y="4801353"/>
             <a:ext cx="413912" cy="169170"/>
           </a:xfrm>
           <a:prstGeom prst="rect">
@@ -4473,7 +4516,7 @@
         </p:nvSpPr>
         <p:spPr>
           <a:xfrm>
-            <a:off x="1945170" y="3275489"/>
+            <a:off x="3807733" y="3275489"/>
             <a:ext cx="1327484" cy="840623"/>
           </a:xfrm>
           <a:prstGeom prst="can">
@@ -4533,7 +4576,7 @@
         </p:nvSpPr>
         <p:spPr>
           <a:xfrm>
-            <a:off x="1945171" y="2407288"/>
+            <a:off x="3807734" y="2407288"/>
             <a:ext cx="3421806" cy="532210"/>
           </a:xfrm>
           <a:prstGeom prst="rect">
@@ -4584,7 +4627,7 @@
         </p:nvCxnSpPr>
         <p:spPr>
           <a:xfrm flipH="1">
-            <a:off x="4449036" y="2939498"/>
+            <a:off x="6311599" y="2939498"/>
             <a:ext cx="2713" cy="1713316"/>
           </a:xfrm>
           <a:prstGeom prst="straightConnector1">
@@ -4630,7 +4673,7 @@
         </p:nvCxnSpPr>
         <p:spPr>
           <a:xfrm flipV="1">
-            <a:off x="2582710" y="2939498"/>
+            <a:off x="4445273" y="2939498"/>
             <a:ext cx="0" cy="426409"/>
           </a:xfrm>
           <a:prstGeom prst="straightConnector1">
@@ -4677,7 +4720,7 @@
         </p:nvCxnSpPr>
         <p:spPr>
           <a:xfrm flipV="1">
-            <a:off x="2608912" y="4116112"/>
+            <a:off x="4471475" y="4116112"/>
             <a:ext cx="0" cy="536702"/>
           </a:xfrm>
           <a:prstGeom prst="straightConnector1">
@@ -4707,6 +4750,49 @@
           </a:fontRef>
         </p:style>
       </p:cxnSp>
+      <p:sp>
+        <p:nvSpPr>
+          <p:cNvPr id="3" name="TextBox 2">
+            <a:extLst>
+              <a:ext uri="{FF2B5EF4-FFF2-40B4-BE49-F238E27FC236}">
+                <a16:creationId xmlns:a16="http://schemas.microsoft.com/office/drawing/2014/main" id="{32FBB8AD-A66D-4AAD-765F-15CCC0687504}"/>
+              </a:ext>
+            </a:extLst>
+          </p:cNvPr>
+          <p:cNvSpPr txBox="1"/>
+          <p:nvPr/>
+        </p:nvSpPr>
+        <p:spPr>
+          <a:xfrm>
+            <a:off x="3791451" y="1573515"/>
+            <a:ext cx="3405524" cy="523220"/>
+          </a:xfrm>
+          <a:prstGeom prst="rect">
+            <a:avLst/>
+          </a:prstGeom>
+          <a:noFill/>
+        </p:spPr>
+        <p:txBody>
+          <a:bodyPr wrap="square" rtlCol="0">
+            <a:spAutoFit/>
+          </a:bodyPr>
+          <a:lstStyle/>
+          <a:p>
+            <a:pPr algn="ctr"/>
+            <a:r>
+              <a:rPr lang="en-GB" sz="1400" dirty="0">
+                <a:solidFill>
+                  <a:schemeClr val="accent6">
+                    <a:lumMod val="50000"/>
+                  </a:schemeClr>
+                </a:solidFill>
+                <a:latin typeface="Ford Antenna Medium" panose="02000505000000020004" pitchFamily="2" charset="0"/>
+              </a:rPr>
+              <a:t>Step #2: Smarter API Search and Selection</a:t>
+            </a:r>
+          </a:p>
+        </p:txBody>
+      </p:sp>
     </p:spTree>
     <p:extLst>
       <p:ext uri="{BB962C8B-B14F-4D97-AF65-F5344CB8AC3E}">
@@ -4757,7 +4843,7 @@
         </p:nvSpPr>
         <p:spPr>
           <a:xfrm>
-            <a:off x="1859077" y="4426665"/>
+            <a:off x="3721640" y="4437682"/>
             <a:ext cx="3584934" cy="1223237"/>
           </a:xfrm>
           <a:prstGeom prst="rect">
@@ -4822,7 +4908,7 @@
         </p:nvSpPr>
         <p:spPr>
           <a:xfrm>
-            <a:off x="1945170" y="5027132"/>
+            <a:off x="3807733" y="5038149"/>
             <a:ext cx="3421807" cy="532210"/>
           </a:xfrm>
           <a:prstGeom prst="rect">
@@ -4871,7 +4957,7 @@
         </p:nvSpPr>
         <p:spPr>
           <a:xfrm>
-            <a:off x="1945169" y="4801353"/>
+            <a:off x="3807732" y="4812370"/>
             <a:ext cx="413912" cy="169170"/>
           </a:xfrm>
           <a:prstGeom prst="rect">
@@ -4920,7 +5006,7 @@
         </p:nvSpPr>
         <p:spPr>
           <a:xfrm>
-            <a:off x="2446485" y="4801353"/>
+            <a:off x="4309048" y="4812370"/>
             <a:ext cx="413912" cy="169170"/>
           </a:xfrm>
           <a:prstGeom prst="rect">
@@ -4969,7 +5055,7 @@
         </p:nvSpPr>
         <p:spPr>
           <a:xfrm>
-            <a:off x="2947801" y="4801353"/>
+            <a:off x="4810364" y="4812370"/>
             <a:ext cx="413912" cy="169170"/>
           </a:xfrm>
           <a:prstGeom prst="rect">
@@ -5018,7 +5104,7 @@
         </p:nvSpPr>
         <p:spPr>
           <a:xfrm>
-            <a:off x="3449117" y="4801353"/>
+            <a:off x="5311680" y="4812370"/>
             <a:ext cx="413912" cy="169170"/>
           </a:xfrm>
           <a:prstGeom prst="rect">
@@ -5067,7 +5153,7 @@
         </p:nvSpPr>
         <p:spPr>
           <a:xfrm>
-            <a:off x="3950433" y="4807015"/>
+            <a:off x="5812996" y="4818032"/>
             <a:ext cx="413912" cy="169170"/>
           </a:xfrm>
           <a:prstGeom prst="rect">
@@ -5116,7 +5202,7 @@
         </p:nvSpPr>
         <p:spPr>
           <a:xfrm>
-            <a:off x="4451749" y="4801353"/>
+            <a:off x="6314312" y="4812370"/>
             <a:ext cx="413912" cy="169170"/>
           </a:xfrm>
           <a:prstGeom prst="rect">
@@ -5165,7 +5251,7 @@
         </p:nvSpPr>
         <p:spPr>
           <a:xfrm>
-            <a:off x="4953065" y="4801353"/>
+            <a:off x="6815628" y="4812370"/>
             <a:ext cx="413912" cy="169170"/>
           </a:xfrm>
           <a:prstGeom prst="rect">
@@ -5214,7 +5300,7 @@
         </p:nvSpPr>
         <p:spPr>
           <a:xfrm>
-            <a:off x="1945170" y="3275489"/>
+            <a:off x="3807733" y="3286506"/>
             <a:ext cx="1327484" cy="840623"/>
           </a:xfrm>
           <a:prstGeom prst="can">
@@ -5274,7 +5360,7 @@
         </p:nvSpPr>
         <p:spPr>
           <a:xfrm>
-            <a:off x="3531094" y="3404628"/>
+            <a:off x="5393657" y="3415645"/>
             <a:ext cx="1835883" cy="647719"/>
           </a:xfrm>
           <a:prstGeom prst="rect">
@@ -5323,7 +5409,7 @@
         </p:nvSpPr>
         <p:spPr>
           <a:xfrm>
-            <a:off x="1945171" y="2407288"/>
+            <a:off x="3807734" y="2418305"/>
             <a:ext cx="3421806" cy="532210"/>
           </a:xfrm>
           <a:prstGeom prst="rect">
@@ -5375,7 +5461,7 @@
         </p:nvCxnSpPr>
         <p:spPr>
           <a:xfrm>
-            <a:off x="4449036" y="4052347"/>
+            <a:off x="6311599" y="4063364"/>
             <a:ext cx="0" cy="600467"/>
           </a:xfrm>
           <a:prstGeom prst="straightConnector1">
@@ -5421,7 +5507,7 @@
         </p:nvCxnSpPr>
         <p:spPr>
           <a:xfrm flipV="1">
-            <a:off x="2582710" y="2939498"/>
+            <a:off x="4445273" y="2950515"/>
             <a:ext cx="0" cy="426409"/>
           </a:xfrm>
           <a:prstGeom prst="straightConnector1">
@@ -5468,7 +5554,7 @@
         </p:nvCxnSpPr>
         <p:spPr>
           <a:xfrm>
-            <a:off x="4449036" y="2939498"/>
+            <a:off x="6311599" y="2950515"/>
             <a:ext cx="0" cy="465130"/>
           </a:xfrm>
           <a:prstGeom prst="straightConnector1">
@@ -5515,7 +5601,7 @@
         </p:nvCxnSpPr>
         <p:spPr>
           <a:xfrm flipV="1">
-            <a:off x="2608912" y="4116112"/>
+            <a:off x="4471475" y="4127129"/>
             <a:ext cx="0" cy="536702"/>
           </a:xfrm>
           <a:prstGeom prst="straightConnector1">
@@ -5545,6 +5631,49 @@
           </a:fontRef>
         </p:style>
       </p:cxnSp>
+      <p:sp>
+        <p:nvSpPr>
+          <p:cNvPr id="3" name="TextBox 2">
+            <a:extLst>
+              <a:ext uri="{FF2B5EF4-FFF2-40B4-BE49-F238E27FC236}">
+                <a16:creationId xmlns:a16="http://schemas.microsoft.com/office/drawing/2014/main" id="{D056E779-041C-D35F-9A47-68095FDCC3DD}"/>
+              </a:ext>
+            </a:extLst>
+          </p:cNvPr>
+          <p:cNvSpPr txBox="1"/>
+          <p:nvPr/>
+        </p:nvSpPr>
+        <p:spPr>
+          <a:xfrm>
+            <a:off x="3791451" y="1573515"/>
+            <a:ext cx="3405524" cy="523220"/>
+          </a:xfrm>
+          <a:prstGeom prst="rect">
+            <a:avLst/>
+          </a:prstGeom>
+          <a:noFill/>
+        </p:spPr>
+        <p:txBody>
+          <a:bodyPr wrap="square" rtlCol="0">
+            <a:spAutoFit/>
+          </a:bodyPr>
+          <a:lstStyle/>
+          <a:p>
+            <a:pPr algn="ctr"/>
+            <a:r>
+              <a:rPr lang="en-GB" sz="1400" dirty="0">
+                <a:solidFill>
+                  <a:schemeClr val="accent6">
+                    <a:lumMod val="50000"/>
+                  </a:schemeClr>
+                </a:solidFill>
+                <a:latin typeface="Ford Antenna Medium" panose="02000505000000020004" pitchFamily="2" charset="0"/>
+              </a:rPr>
+              <a:t>Step #3: Securing and Observing API Usage</a:t>
+            </a:r>
+          </a:p>
+        </p:txBody>
+      </p:sp>
     </p:spTree>
     <p:extLst>
       <p:ext uri="{BB962C8B-B14F-4D97-AF65-F5344CB8AC3E}">
@@ -5595,7 +5724,7 @@
         </p:nvSpPr>
         <p:spPr>
           <a:xfrm>
-            <a:off x="1859077" y="4426665"/>
+            <a:off x="3731945" y="4426665"/>
             <a:ext cx="3584934" cy="1223237"/>
           </a:xfrm>
           <a:prstGeom prst="rect">
@@ -5660,7 +5789,7 @@
         </p:nvSpPr>
         <p:spPr>
           <a:xfrm>
-            <a:off x="1909165" y="4578516"/>
+            <a:off x="3782033" y="4578516"/>
             <a:ext cx="1487754" cy="417878"/>
           </a:xfrm>
           <a:prstGeom prst="rect">
@@ -5725,7 +5854,7 @@
         </p:nvSpPr>
         <p:spPr>
           <a:xfrm>
-            <a:off x="1945170" y="5027132"/>
+            <a:off x="3818038" y="5027132"/>
             <a:ext cx="3421807" cy="532210"/>
           </a:xfrm>
           <a:prstGeom prst="rect">
@@ -5774,7 +5903,7 @@
         </p:nvSpPr>
         <p:spPr>
           <a:xfrm>
-            <a:off x="1945169" y="4801353"/>
+            <a:off x="3818037" y="4801353"/>
             <a:ext cx="413912" cy="169170"/>
           </a:xfrm>
           <a:prstGeom prst="rect">
@@ -5823,7 +5952,7 @@
         </p:nvSpPr>
         <p:spPr>
           <a:xfrm>
-            <a:off x="2446485" y="4801353"/>
+            <a:off x="4319353" y="4801353"/>
             <a:ext cx="413912" cy="169170"/>
           </a:xfrm>
           <a:prstGeom prst="rect">
@@ -5872,7 +6001,7 @@
         </p:nvSpPr>
         <p:spPr>
           <a:xfrm>
-            <a:off x="2947801" y="4801353"/>
+            <a:off x="4820669" y="4801353"/>
             <a:ext cx="413912" cy="169170"/>
           </a:xfrm>
           <a:prstGeom prst="rect">
@@ -5921,7 +6050,7 @@
         </p:nvSpPr>
         <p:spPr>
           <a:xfrm>
-            <a:off x="3449117" y="4801353"/>
+            <a:off x="5321985" y="4801353"/>
             <a:ext cx="413912" cy="169170"/>
           </a:xfrm>
           <a:prstGeom prst="rect">
@@ -5970,7 +6099,7 @@
         </p:nvSpPr>
         <p:spPr>
           <a:xfrm>
-            <a:off x="3950433" y="4807015"/>
+            <a:off x="5823301" y="4807015"/>
             <a:ext cx="413912" cy="169170"/>
           </a:xfrm>
           <a:prstGeom prst="rect">
@@ -6019,7 +6148,7 @@
         </p:nvSpPr>
         <p:spPr>
           <a:xfrm>
-            <a:off x="4451749" y="4801353"/>
+            <a:off x="6324617" y="4801353"/>
             <a:ext cx="413912" cy="169170"/>
           </a:xfrm>
           <a:prstGeom prst="rect">
@@ -6068,7 +6197,7 @@
         </p:nvSpPr>
         <p:spPr>
           <a:xfrm>
-            <a:off x="4953065" y="4801353"/>
+            <a:off x="6825933" y="4801353"/>
             <a:ext cx="413912" cy="169170"/>
           </a:xfrm>
           <a:prstGeom prst="rect">
@@ -6117,7 +6246,7 @@
         </p:nvSpPr>
         <p:spPr>
           <a:xfrm>
-            <a:off x="1945170" y="3275489"/>
+            <a:off x="3818038" y="3275489"/>
             <a:ext cx="1327484" cy="840623"/>
           </a:xfrm>
           <a:prstGeom prst="can">
@@ -6177,7 +6306,7 @@
         </p:nvSpPr>
         <p:spPr>
           <a:xfrm>
-            <a:off x="2146416" y="4492410"/>
+            <a:off x="4019284" y="4492410"/>
             <a:ext cx="1008310" cy="169170"/>
           </a:xfrm>
           <a:prstGeom prst="rect">
@@ -6226,7 +6355,7 @@
         </p:nvSpPr>
         <p:spPr>
           <a:xfrm>
-            <a:off x="3531094" y="3404628"/>
+            <a:off x="5403962" y="3404628"/>
             <a:ext cx="1835883" cy="647719"/>
           </a:xfrm>
           <a:prstGeom prst="rect">
@@ -6275,7 +6404,7 @@
         </p:nvSpPr>
         <p:spPr>
           <a:xfrm>
-            <a:off x="1945171" y="2407288"/>
+            <a:off x="3818039" y="2407288"/>
             <a:ext cx="3421806" cy="532210"/>
           </a:xfrm>
           <a:prstGeom prst="rect">
@@ -6327,7 +6456,7 @@
         </p:nvCxnSpPr>
         <p:spPr>
           <a:xfrm>
-            <a:off x="4449036" y="4052347"/>
+            <a:off x="6321904" y="4052347"/>
             <a:ext cx="0" cy="609233"/>
           </a:xfrm>
           <a:prstGeom prst="straightConnector1">
@@ -6373,7 +6502,7 @@
         </p:nvCxnSpPr>
         <p:spPr>
           <a:xfrm flipV="1">
-            <a:off x="2582710" y="2939498"/>
+            <a:off x="4455578" y="2939498"/>
             <a:ext cx="0" cy="426409"/>
           </a:xfrm>
           <a:prstGeom prst="straightConnector1">
@@ -6420,7 +6549,7 @@
         </p:nvCxnSpPr>
         <p:spPr>
           <a:xfrm>
-            <a:off x="4449036" y="2939498"/>
+            <a:off x="6321904" y="2939498"/>
             <a:ext cx="0" cy="465130"/>
           </a:xfrm>
           <a:prstGeom prst="straightConnector1">
@@ -6467,7 +6596,7 @@
         </p:nvCxnSpPr>
         <p:spPr>
           <a:xfrm flipV="1">
-            <a:off x="2608912" y="4116112"/>
+            <a:off x="4481780" y="4116112"/>
             <a:ext cx="0" cy="299831"/>
           </a:xfrm>
           <a:prstGeom prst="straightConnector1">
@@ -6497,6 +6626,49 @@
           </a:fontRef>
         </p:style>
       </p:cxnSp>
+      <p:sp>
+        <p:nvSpPr>
+          <p:cNvPr id="4" name="TextBox 3">
+            <a:extLst>
+              <a:ext uri="{FF2B5EF4-FFF2-40B4-BE49-F238E27FC236}">
+                <a16:creationId xmlns:a16="http://schemas.microsoft.com/office/drawing/2014/main" id="{08034551-3386-94FE-B8B0-3457C9BF6AB3}"/>
+              </a:ext>
+            </a:extLst>
+          </p:cNvPr>
+          <p:cNvSpPr txBox="1"/>
+          <p:nvPr/>
+        </p:nvSpPr>
+        <p:spPr>
+          <a:xfrm>
+            <a:off x="3791451" y="1573515"/>
+            <a:ext cx="3405524" cy="523220"/>
+          </a:xfrm>
+          <a:prstGeom prst="rect">
+            <a:avLst/>
+          </a:prstGeom>
+          <a:noFill/>
+        </p:spPr>
+        <p:txBody>
+          <a:bodyPr wrap="square" rtlCol="0">
+            <a:spAutoFit/>
+          </a:bodyPr>
+          <a:lstStyle/>
+          <a:p>
+            <a:pPr algn="ctr"/>
+            <a:r>
+              <a:rPr lang="en-GB" sz="1400" dirty="0">
+                <a:solidFill>
+                  <a:schemeClr val="accent6">
+                    <a:lumMod val="50000"/>
+                  </a:schemeClr>
+                </a:solidFill>
+                <a:latin typeface="Ford Antenna Medium" panose="02000505000000020004" pitchFamily="2" charset="0"/>
+              </a:rPr>
+              <a:t>Step #4: Creating Intent-Based Workflows</a:t>
+            </a:r>
+          </a:p>
+        </p:txBody>
+      </p:sp>
     </p:spTree>
     <p:extLst>
       <p:ext uri="{BB962C8B-B14F-4D97-AF65-F5344CB8AC3E}">
@@ -8065,6 +8237,49 @@
           </a:fontRef>
         </p:style>
       </p:cxnSp>
+      <p:sp>
+        <p:nvSpPr>
+          <p:cNvPr id="2" name="TextBox 1">
+            <a:extLst>
+              <a:ext uri="{FF2B5EF4-FFF2-40B4-BE49-F238E27FC236}">
+                <a16:creationId xmlns:a16="http://schemas.microsoft.com/office/drawing/2014/main" id="{8DAAF401-B57C-87B0-38A7-92C9D55A8109}"/>
+              </a:ext>
+            </a:extLst>
+          </p:cNvPr>
+          <p:cNvSpPr txBox="1"/>
+          <p:nvPr/>
+        </p:nvSpPr>
+        <p:spPr>
+          <a:xfrm>
+            <a:off x="1945169" y="1573515"/>
+            <a:ext cx="7146932" cy="307777"/>
+          </a:xfrm>
+          <a:prstGeom prst="rect">
+            <a:avLst/>
+          </a:prstGeom>
+          <a:noFill/>
+        </p:spPr>
+        <p:txBody>
+          <a:bodyPr wrap="square" rtlCol="0">
+            <a:spAutoFit/>
+          </a:bodyPr>
+          <a:lstStyle/>
+          <a:p>
+            <a:pPr algn="ctr"/>
+            <a:r>
+              <a:rPr lang="en-GB" sz="1400" dirty="0">
+                <a:solidFill>
+                  <a:schemeClr val="accent6">
+                    <a:lumMod val="50000"/>
+                  </a:schemeClr>
+                </a:solidFill>
+                <a:latin typeface="Ford Antenna Medium" panose="02000505000000020004" pitchFamily="2" charset="0"/>
+              </a:rPr>
+              <a:t>Step #5: Safe Experimentation with Sandboxes</a:t>
+            </a:r>
+          </a:p>
+        </p:txBody>
+      </p:sp>
     </p:spTree>
     <p:extLst>
       <p:ext uri="{BB962C8B-B14F-4D97-AF65-F5344CB8AC3E}">
